--- a/doc/工作周报/工作汇报/真实/武大项目_工作汇报_2018年04月20号第3周.pptx
+++ b/doc/工作周报/工作汇报/真实/武大项目_工作汇报_2018年04月20号第3周.pptx
@@ -2819,7 +2819,7 @@
                       <a:pPr algn="ctr"/>
                       <a:r>
                         <a:rPr lang="zh-CN" altLang="en-US" dirty="0"/>
-                        <a:t>开发</a:t>
+                        <a:t>调试</a:t>
                       </a:r>
                       <a:endParaRPr lang="zh-CN" altLang="en-US" dirty="0"/>
                     </a:p>
@@ -2874,7 +2874,7 @@
                       <a:pPr algn="ctr"/>
                       <a:r>
                         <a:rPr lang="en-US" altLang="zh-CN" dirty="0" smtClean="0"/>
-                        <a:t>80%</a:t>
+                        <a:t>90%</a:t>
                       </a:r>
                       <a:endParaRPr lang="zh-CN" altLang="en-US" dirty="0"/>
                     </a:p>
@@ -2900,7 +2900,7 @@
                       </a:pPr>
                       <a:r>
                         <a:rPr lang="zh-CN" altLang="en-US" sz="1400" dirty="0" smtClean="0"/>
-                        <a:t>代码还需要优化</a:t>
+                        <a:t>硬件的行程报告、和故障码还未实现上传</a:t>
                       </a:r>
                       <a:endParaRPr lang="zh-CN" altLang="en-US" sz="1400" dirty="0" smtClean="0"/>
                     </a:p>
@@ -3009,7 +3009,7 @@
                       </a:pPr>
                       <a:r>
                         <a:rPr lang="en-US" altLang="zh-CN" dirty="0" smtClean="0"/>
-                        <a:t>50%</a:t>
+                        <a:t>70%</a:t>
                       </a:r>
                       <a:endParaRPr lang="zh-CN" altLang="en-US" dirty="0" smtClean="0"/>
                     </a:p>
@@ -3024,7 +3024,7 @@
                       <a:pPr algn="ctr"/>
                       <a:r>
                         <a:rPr lang="zh-CN" altLang="en-US" sz="1400" dirty="0" smtClean="0"/>
-                        <a:t>微信反馈模块未完成</a:t>
+                        <a:t>目前还未和微信做对接，正在和页面做调试</a:t>
                       </a:r>
                       <a:endParaRPr lang="zh-CN" altLang="en-US" sz="1400" dirty="0" smtClean="0"/>
                     </a:p>
@@ -3206,7 +3206,7 @@
                       <a:pPr algn="ctr"/>
                       <a:r>
                         <a:rPr lang="zh-CN" altLang="en-US" dirty="0"/>
-                        <a:t>开发</a:t>
+                        <a:t>调试</a:t>
                       </a:r>
                       <a:endParaRPr lang="zh-CN" altLang="en-US" dirty="0"/>
                     </a:p>
@@ -3235,10 +3235,10 @@
                         <a:defRPr/>
                       </a:pPr>
                       <a:r>
-                        <a:rPr lang="zh-CN" altLang="en-US" dirty="0" smtClean="0"/>
-                        <a:t>获取历史轨迹接口开发测试</a:t>
+                        <a:rPr lang="zh-CN" altLang="zh-CN" dirty="0" smtClean="0"/>
+                        <a:t>车辆调试</a:t>
                       </a:r>
-                      <a:endParaRPr lang="zh-CN" altLang="en-US" dirty="0" smtClean="0"/>
+                      <a:endParaRPr lang="zh-CN" altLang="zh-CN" dirty="0" smtClean="0"/>
                     </a:p>
                   </a:txBody>
                   <a:tcPr/>
@@ -3270,10 +3270,6 @@
                         <a:buNone/>
                         <a:defRPr/>
                       </a:pPr>
-                      <a:r>
-                        <a:rPr lang="en-US" altLang="zh-CN" dirty="0" smtClean="0"/>
-                        <a:t>100%</a:t>
-                      </a:r>
                       <a:endParaRPr lang="en-US" altLang="zh-CN" dirty="0" smtClean="0"/>
                     </a:p>
                   </a:txBody>
@@ -3365,6 +3361,12 @@
                     <a:lstStyle/>
                     <a:p>
                       <a:pPr algn="ctr"/>
+                      <a:r>
+                        <a:rPr lang="zh-CN" altLang="en-US" sz="1800" dirty="0" smtClean="0">
+                          <a:sym typeface="+mn-ea"/>
+                        </a:rPr>
+                        <a:t>校巴监控</a:t>
+                      </a:r>
                       <a:endParaRPr lang="zh-CN" altLang="en-US" dirty="0"/>
                     </a:p>
                   </a:txBody>
@@ -3857,7 +3859,7 @@
                       <a:pPr algn="ctr"/>
                       <a:r>
                         <a:rPr lang="zh-CN" altLang="zh-CN" dirty="0" smtClean="0"/>
-                        <a:t>测试</a:t>
+                        <a:t>调试</a:t>
                       </a:r>
                       <a:endParaRPr lang="zh-CN" altLang="zh-CN" dirty="0" smtClean="0"/>
                     </a:p>
@@ -3871,12 +3873,8 @@
                     <a:p>
                       <a:pPr algn="ctr"/>
                       <a:r>
-                        <a:rPr lang="en-US" dirty="0" smtClean="0"/>
-                        <a:t>ODB</a:t>
-                      </a:r>
-                      <a:r>
                         <a:rPr lang="zh-CN" altLang="en-US" dirty="0" smtClean="0"/>
-                        <a:t>硬件测试</a:t>
+                        <a:t>整体的项目硬件交互的调试</a:t>
                       </a:r>
                       <a:endParaRPr lang="zh-CN" altLang="en-US" dirty="0" smtClean="0"/>
                     </a:p>
@@ -3950,25 +3948,17 @@
                     <a:lstStyle/>
                     <a:p>
                       <a:pPr algn="ctr"/>
-                      <a:r>
-                        <a:rPr lang="zh-CN" altLang="en-US" dirty="0"/>
-                        <a:t>开发</a:t>
-                      </a:r>
-                      <a:endParaRPr lang="zh-CN" altLang="en-US" dirty="0"/>
-                    </a:p>
-                  </a:txBody>
-                  <a:tcPr/>
-                </a:tc>
-                <a:tc>
-                  <a:txBody>
-                    <a:bodyPr/>
-                    <a:lstStyle/>
-                    <a:p>
-                      <a:pPr algn="ctr"/>
-                      <a:r>
-                        <a:rPr lang="zh-CN" altLang="en-US" dirty="0"/>
-                        <a:t>微信端一期功能开发</a:t>
-                      </a:r>
+                      <a:endParaRPr lang="zh-CN" altLang="en-US" dirty="0"/>
+                    </a:p>
+                  </a:txBody>
+                  <a:tcPr/>
+                </a:tc>
+                <a:tc>
+                  <a:txBody>
+                    <a:bodyPr/>
+                    <a:lstStyle/>
+                    <a:p>
+                      <a:pPr algn="ctr"/>
                       <a:endParaRPr lang="zh-CN" altLang="en-US" dirty="0"/>
                     </a:p>
                   </a:txBody>
